--- a/Part_2/Data structure diagram.pptx
+++ b/Part_2/Data structure diagram.pptx
@@ -104,6 +104,11 @@
       </a:defRPr>
     </a:lvl9pPr>
   </p:defaultTextStyle>
+  <p:extLst>
+    <p:ext uri="{EFAFB233-063F-42B5-8137-9DF3F51BA10A}">
+      <p15:sldGuideLst xmlns:p15="http://schemas.microsoft.com/office/powerpoint/2012/main"/>
+    </p:ext>
+  </p:extLst>
 </p:presentation>
 </file>
 
@@ -3800,8 +3805,8 @@
         </p:nvSpPr>
         <p:spPr>
           <a:xfrm>
-            <a:off x="3288601" y="6413190"/>
-            <a:ext cx="1438792" cy="307777"/>
+            <a:off x="3109354" y="6413190"/>
+            <a:ext cx="1797287" cy="369332"/>
           </a:xfrm>
           <a:prstGeom prst="rect">
             <a:avLst/>
@@ -3816,7 +3821,7 @@
           <a:p>
             <a:pPr algn="ctr"/>
             <a:r>
-              <a:rPr lang="en-US" sz="1400" dirty="0"/>
+              <a:rPr lang="en-US" dirty="0"/>
               <a:t>Sample-level info</a:t>
             </a:r>
           </a:p>
@@ -3836,8 +3841,8 @@
         </p:nvSpPr>
         <p:spPr>
           <a:xfrm>
-            <a:off x="8223842" y="6422825"/>
-            <a:ext cx="603050" cy="307777"/>
+            <a:off x="8164532" y="6422825"/>
+            <a:ext cx="721672" cy="369332"/>
           </a:xfrm>
           <a:prstGeom prst="rect">
             <a:avLst/>
@@ -3852,7 +3857,7 @@
           <a:p>
             <a:pPr algn="ctr"/>
             <a:r>
-              <a:rPr lang="en-US" sz="1400" dirty="0"/>
+              <a:rPr lang="en-US" dirty="0"/>
               <a:t>Lipids</a:t>
             </a:r>
           </a:p>
@@ -4895,6 +4900,66 @@
           </p:style>
         </p:cxnSp>
       </p:grpSp>
+      <p:pic>
+        <p:nvPicPr>
+          <p:cNvPr id="3" name="Picture 2" descr="Diagram&#10;&#10;Description automatically generated">
+            <a:extLst>
+              <a:ext uri="{FF2B5EF4-FFF2-40B4-BE49-F238E27FC236}">
+                <a16:creationId xmlns:a16="http://schemas.microsoft.com/office/drawing/2014/main" id="{EEC734C6-FAD5-EAF2-717C-AE61730C4860}"/>
+              </a:ext>
+            </a:extLst>
+          </p:cNvPr>
+          <p:cNvPicPr>
+            <a:picLocks noChangeAspect="1"/>
+          </p:cNvPicPr>
+          <p:nvPr/>
+        </p:nvPicPr>
+        <p:blipFill>
+          <a:blip r:embed="rId2"/>
+          <a:stretch>
+            <a:fillRect/>
+          </a:stretch>
+        </p:blipFill>
+        <p:spPr>
+          <a:xfrm>
+            <a:off x="50176" y="566927"/>
+            <a:ext cx="2217740" cy="740725"/>
+          </a:xfrm>
+          <a:prstGeom prst="rect">
+            <a:avLst/>
+          </a:prstGeom>
+        </p:spPr>
+      </p:pic>
+      <p:pic>
+        <p:nvPicPr>
+          <p:cNvPr id="5" name="Picture 4" descr="Diagram&#10;&#10;Description automatically generated">
+            <a:extLst>
+              <a:ext uri="{FF2B5EF4-FFF2-40B4-BE49-F238E27FC236}">
+                <a16:creationId xmlns:a16="http://schemas.microsoft.com/office/drawing/2014/main" id="{2A9C0139-94FC-8CE3-1ED4-05045F62AE9F}"/>
+              </a:ext>
+            </a:extLst>
+          </p:cNvPr>
+          <p:cNvPicPr>
+            <a:picLocks noChangeAspect="1"/>
+          </p:cNvPicPr>
+          <p:nvPr/>
+        </p:nvPicPr>
+        <p:blipFill>
+          <a:blip r:embed="rId3"/>
+          <a:stretch>
+            <a:fillRect/>
+          </a:stretch>
+        </p:blipFill>
+        <p:spPr>
+          <a:xfrm>
+            <a:off x="334736" y="5586577"/>
+            <a:ext cx="1793023" cy="586359"/>
+          </a:xfrm>
+          <a:prstGeom prst="rect">
+            <a:avLst/>
+          </a:prstGeom>
+        </p:spPr>
+      </p:pic>
     </p:spTree>
     <p:extLst>
       <p:ext uri="{BB962C8B-B14F-4D97-AF65-F5344CB8AC3E}">
